--- a/enemy.pptx
+++ b/enemy.pptx
@@ -9,6 +9,7 @@
     <p:sldId id="259" r:id="rId3"/>
     <p:sldId id="260" r:id="rId4"/>
     <p:sldId id="258" r:id="rId5"/>
+    <p:sldId id="261" r:id="rId6"/>
   </p:sldIdLst>
   <p:sldSz cx="12192000" cy="6858000"/>
   <p:notesSz cx="6858000" cy="9144000"/>
@@ -3868,7 +3869,7 @@
       </p:sp>
       <p:pic>
         <p:nvPicPr>
-          <p:cNvPr id="2" name="図 1"/>
+          <p:cNvPr id="3" name="図 2"/>
           <p:cNvPicPr>
             <a:picLocks noChangeAspect="1"/>
           </p:cNvPicPr>
@@ -3883,7 +3884,7 @@
         <p:spPr>
           <a:xfrm>
             <a:off x="1052169" y="1351405"/>
-            <a:ext cx="750874" cy="571385"/>
+            <a:ext cx="752207" cy="572400"/>
           </a:xfrm>
           <a:prstGeom prst="rect">
             <a:avLst/>
@@ -3892,7 +3893,7 @@
       </p:pic>
       <p:pic>
         <p:nvPicPr>
-          <p:cNvPr id="14" name="図 13"/>
+          <p:cNvPr id="19" name="図 18"/>
           <p:cNvPicPr>
             <a:picLocks noChangeAspect="1"/>
           </p:cNvPicPr>
@@ -3906,8 +3907,8 @@
         </p:blipFill>
         <p:spPr>
           <a:xfrm rot="-600000">
-            <a:off x="977219" y="3413970"/>
-            <a:ext cx="750874" cy="571385"/>
+            <a:off x="977297" y="3414078"/>
+            <a:ext cx="752207" cy="572400"/>
           </a:xfrm>
           <a:prstGeom prst="rect">
             <a:avLst/>
@@ -3916,7 +3917,7 @@
       </p:pic>
       <p:pic>
         <p:nvPicPr>
-          <p:cNvPr id="15" name="図 14"/>
+          <p:cNvPr id="20" name="図 19"/>
           <p:cNvPicPr>
             <a:picLocks noChangeAspect="1"/>
           </p:cNvPicPr>
@@ -3930,8 +3931,8 @@
         </p:blipFill>
         <p:spPr>
           <a:xfrm rot="-1200000">
-            <a:off x="3074550" y="3309040"/>
-            <a:ext cx="750874" cy="571385"/>
+            <a:off x="3074684" y="3309238"/>
+            <a:ext cx="752207" cy="572400"/>
           </a:xfrm>
           <a:prstGeom prst="rect">
             <a:avLst/>
@@ -3940,7 +3941,7 @@
       </p:pic>
       <p:pic>
         <p:nvPicPr>
-          <p:cNvPr id="16" name="図 15"/>
+          <p:cNvPr id="21" name="図 20"/>
           <p:cNvPicPr>
             <a:picLocks noChangeAspect="1"/>
           </p:cNvPicPr>
@@ -3954,8 +3955,8 @@
         </p:blipFill>
         <p:spPr>
           <a:xfrm rot="-1800000">
-            <a:off x="5201861" y="3219100"/>
-            <a:ext cx="750874" cy="571385"/>
+            <a:off x="5202025" y="3219366"/>
+            <a:ext cx="752207" cy="572400"/>
           </a:xfrm>
           <a:prstGeom prst="rect">
             <a:avLst/>
@@ -3964,7 +3965,7 @@
       </p:pic>
       <p:pic>
         <p:nvPicPr>
-          <p:cNvPr id="17" name="図 16"/>
+          <p:cNvPr id="22" name="図 21"/>
           <p:cNvPicPr>
             <a:picLocks noChangeAspect="1"/>
           </p:cNvPicPr>
@@ -3978,8 +3979,8 @@
         </p:blipFill>
         <p:spPr>
           <a:xfrm rot="-2400000">
-            <a:off x="7314182" y="3368787"/>
-            <a:ext cx="750874" cy="571385"/>
+            <a:off x="7314352" y="3369097"/>
+            <a:ext cx="752207" cy="572400"/>
           </a:xfrm>
           <a:prstGeom prst="rect">
             <a:avLst/>
@@ -3988,7 +3989,7 @@
       </p:pic>
       <p:pic>
         <p:nvPicPr>
-          <p:cNvPr id="18" name="図 17"/>
+          <p:cNvPr id="23" name="図 22"/>
           <p:cNvPicPr>
             <a:picLocks noChangeAspect="1"/>
           </p:cNvPicPr>
@@ -4002,8 +4003,8 @@
         </p:blipFill>
         <p:spPr>
           <a:xfrm rot="-3000000">
-            <a:off x="9426502" y="3548880"/>
-            <a:ext cx="750874" cy="571385"/>
+            <a:off x="9426653" y="3549209"/>
+            <a:ext cx="752207" cy="572400"/>
           </a:xfrm>
           <a:prstGeom prst="rect">
             <a:avLst/>
@@ -4330,7 +4331,7 @@
       </p:sp>
       <p:pic>
         <p:nvPicPr>
-          <p:cNvPr id="3" name="図 2"/>
+          <p:cNvPr id="2" name="図 1"/>
           <p:cNvPicPr>
             <a:picLocks noChangeAspect="1"/>
           </p:cNvPicPr>
@@ -4354,7 +4355,7 @@
       </p:pic>
       <p:pic>
         <p:nvPicPr>
-          <p:cNvPr id="19" name="図 18"/>
+          <p:cNvPr id="15" name="図 14"/>
           <p:cNvPicPr>
             <a:picLocks noChangeAspect="1"/>
           </p:cNvPicPr>
@@ -4378,7 +4379,7 @@
       </p:pic>
       <p:pic>
         <p:nvPicPr>
-          <p:cNvPr id="20" name="図 19"/>
+          <p:cNvPr id="16" name="図 15"/>
           <p:cNvPicPr>
             <a:picLocks noChangeAspect="1"/>
           </p:cNvPicPr>
@@ -4402,7 +4403,7 @@
       </p:pic>
       <p:pic>
         <p:nvPicPr>
-          <p:cNvPr id="21" name="図 20"/>
+          <p:cNvPr id="17" name="図 16"/>
           <p:cNvPicPr>
             <a:picLocks noChangeAspect="1"/>
           </p:cNvPicPr>
@@ -4426,7 +4427,7 @@
       </p:pic>
       <p:pic>
         <p:nvPicPr>
-          <p:cNvPr id="22" name="図 21"/>
+          <p:cNvPr id="18" name="図 17"/>
           <p:cNvPicPr>
             <a:picLocks noChangeAspect="1"/>
           </p:cNvPicPr>
@@ -4439,7 +4440,7 @@
           </a:stretch>
         </p:blipFill>
         <p:spPr>
-          <a:xfrm rot="-24000000">
+          <a:xfrm rot="-2400000">
             <a:off x="7314444" y="3368845"/>
             <a:ext cx="751422" cy="572400"/>
           </a:xfrm>
@@ -4450,7 +4451,7 @@
       </p:pic>
       <p:pic>
         <p:nvPicPr>
-          <p:cNvPr id="23" name="図 22"/>
+          <p:cNvPr id="24" name="図 23"/>
           <p:cNvPicPr>
             <a:picLocks noChangeAspect="1"/>
           </p:cNvPicPr>
@@ -4821,15 +4822,483 @@
           </a:p>
         </p:txBody>
       </p:sp>
-      <p:sp>
-        <p:nvSpPr>
-          <p:cNvPr id="11" name="円/楕円 10"/>
+      <p:pic>
+        <p:nvPicPr>
+          <p:cNvPr id="18" name="図 17"/>
+          <p:cNvPicPr>
+            <a:picLocks noChangeAspect="1"/>
+          </p:cNvPicPr>
+          <p:nvPr/>
+        </p:nvPicPr>
+        <p:blipFill>
+          <a:blip r:embed="rId2"/>
+          <a:stretch>
+            <a:fillRect/>
+          </a:stretch>
+        </p:blipFill>
+        <p:spPr>
+          <a:xfrm>
+            <a:off x="6351526" y="1488358"/>
+            <a:ext cx="5840474" cy="4444369"/>
+          </a:xfrm>
+          <a:prstGeom prst="rect">
+            <a:avLst/>
+          </a:prstGeom>
+          <a:effectLst>
+            <a:innerShdw blurRad="635000" dist="508000" dir="8100000">
+              <a:prstClr val="black">
+                <a:alpha val="25000"/>
+              </a:prstClr>
+            </a:innerShdw>
+            <a:softEdge rad="127000"/>
+          </a:effectLst>
+        </p:spPr>
+      </p:pic>
+      <p:sp>
+        <p:nvSpPr>
+          <p:cNvPr id="19" name="円/楕円 18"/>
           <p:cNvSpPr/>
           <p:nvPr/>
         </p:nvSpPr>
         <p:spPr>
+          <a:xfrm>
+            <a:off x="8295330" y="2770774"/>
+            <a:ext cx="502276" cy="1013984"/>
+          </a:xfrm>
+          <a:prstGeom prst="ellipse">
+            <a:avLst/>
+          </a:prstGeom>
+          <a:solidFill>
+            <a:srgbClr val="0070C0"/>
+          </a:solidFill>
+          <a:ln>
+            <a:noFill/>
+          </a:ln>
+        </p:spPr>
+        <p:style>
+          <a:lnRef idx="2">
+            <a:schemeClr val="accent1">
+              <a:shade val="50000"/>
+            </a:schemeClr>
+          </a:lnRef>
+          <a:fillRef idx="1">
+            <a:schemeClr val="accent1"/>
+          </a:fillRef>
+          <a:effectRef idx="0">
+            <a:schemeClr val="accent1"/>
+          </a:effectRef>
+          <a:fontRef idx="minor">
+            <a:schemeClr val="lt1"/>
+          </a:fontRef>
+        </p:style>
+        <p:txBody>
+          <a:bodyPr rtlCol="0" anchor="ctr"/>
+          <a:lstStyle/>
+          <a:p>
+            <a:pPr algn="ctr"/>
+            <a:endParaRPr kumimoji="1" lang="ja-JP" altLang="en-US"/>
+          </a:p>
+        </p:txBody>
+      </p:sp>
+      <p:sp>
+        <p:nvSpPr>
+          <p:cNvPr id="20" name="円/楕円 19"/>
+          <p:cNvSpPr/>
+          <p:nvPr/>
+        </p:nvSpPr>
+        <p:spPr>
+          <a:xfrm>
+            <a:off x="8503538" y="3129941"/>
+            <a:ext cx="269700" cy="523881"/>
+          </a:xfrm>
+          <a:prstGeom prst="ellipse">
+            <a:avLst/>
+          </a:prstGeom>
+          <a:solidFill>
+            <a:schemeClr val="accent1">
+              <a:lumMod val="60000"/>
+              <a:lumOff val="40000"/>
+            </a:schemeClr>
+          </a:solidFill>
+          <a:ln>
+            <a:noFill/>
+          </a:ln>
+        </p:spPr>
+        <p:style>
+          <a:lnRef idx="2">
+            <a:schemeClr val="accent1">
+              <a:shade val="50000"/>
+            </a:schemeClr>
+          </a:lnRef>
+          <a:fillRef idx="1">
+            <a:schemeClr val="accent1"/>
+          </a:fillRef>
+          <a:effectRef idx="0">
+            <a:schemeClr val="accent1"/>
+          </a:effectRef>
+          <a:fontRef idx="minor">
+            <a:schemeClr val="lt1"/>
+          </a:fontRef>
+        </p:style>
+        <p:txBody>
+          <a:bodyPr rtlCol="0" anchor="ctr"/>
+          <a:lstStyle/>
+          <a:p>
+            <a:pPr algn="ctr"/>
+            <a:endParaRPr kumimoji="1" lang="ja-JP" altLang="en-US"/>
+          </a:p>
+        </p:txBody>
+      </p:sp>
+      <p:sp>
+        <p:nvSpPr>
+          <p:cNvPr id="21" name="円/楕円 20"/>
+          <p:cNvSpPr/>
+          <p:nvPr/>
+        </p:nvSpPr>
+        <p:spPr>
+          <a:xfrm>
+            <a:off x="9711250" y="2770774"/>
+            <a:ext cx="502276" cy="1013984"/>
+          </a:xfrm>
+          <a:prstGeom prst="ellipse">
+            <a:avLst/>
+          </a:prstGeom>
+          <a:solidFill>
+            <a:srgbClr val="0070C0"/>
+          </a:solidFill>
+          <a:ln>
+            <a:noFill/>
+          </a:ln>
+        </p:spPr>
+        <p:style>
+          <a:lnRef idx="2">
+            <a:schemeClr val="accent1">
+              <a:shade val="50000"/>
+            </a:schemeClr>
+          </a:lnRef>
+          <a:fillRef idx="1">
+            <a:schemeClr val="accent1"/>
+          </a:fillRef>
+          <a:effectRef idx="0">
+            <a:schemeClr val="accent1"/>
+          </a:effectRef>
+          <a:fontRef idx="minor">
+            <a:schemeClr val="lt1"/>
+          </a:fontRef>
+        </p:style>
+        <p:txBody>
+          <a:bodyPr rtlCol="0" anchor="ctr"/>
+          <a:lstStyle/>
+          <a:p>
+            <a:pPr algn="ctr"/>
+            <a:endParaRPr kumimoji="1" lang="ja-JP" altLang="en-US"/>
+          </a:p>
+        </p:txBody>
+      </p:sp>
+      <p:sp>
+        <p:nvSpPr>
+          <p:cNvPr id="22" name="円/楕円 21"/>
+          <p:cNvSpPr/>
+          <p:nvPr/>
+        </p:nvSpPr>
+        <p:spPr>
+          <a:xfrm>
+            <a:off x="9739152" y="3129941"/>
+            <a:ext cx="269700" cy="523881"/>
+          </a:xfrm>
+          <a:prstGeom prst="ellipse">
+            <a:avLst/>
+          </a:prstGeom>
+          <a:solidFill>
+            <a:schemeClr val="accent1">
+              <a:lumMod val="60000"/>
+              <a:lumOff val="40000"/>
+            </a:schemeClr>
+          </a:solidFill>
+          <a:ln>
+            <a:noFill/>
+          </a:ln>
+        </p:spPr>
+        <p:style>
+          <a:lnRef idx="2">
+            <a:schemeClr val="accent1">
+              <a:shade val="50000"/>
+            </a:schemeClr>
+          </a:lnRef>
+          <a:fillRef idx="1">
+            <a:schemeClr val="accent1"/>
+          </a:fillRef>
+          <a:effectRef idx="0">
+            <a:schemeClr val="accent1"/>
+          </a:effectRef>
+          <a:fontRef idx="minor">
+            <a:schemeClr val="lt1"/>
+          </a:fontRef>
+        </p:style>
+        <p:txBody>
+          <a:bodyPr rtlCol="0" anchor="ctr"/>
+          <a:lstStyle/>
+          <a:p>
+            <a:pPr algn="ctr"/>
+            <a:endParaRPr kumimoji="1" lang="ja-JP" altLang="en-US"/>
+          </a:p>
+        </p:txBody>
+      </p:sp>
+    </p:spTree>
+    <p:extLst>
+      <p:ext uri="{BB962C8B-B14F-4D97-AF65-F5344CB8AC3E}">
+        <p14:creationId xmlns:p14="http://schemas.microsoft.com/office/powerpoint/2010/main" val="129349305"/>
+      </p:ext>
+    </p:extLst>
+  </p:cSld>
+  <p:clrMapOvr>
+    <a:masterClrMapping/>
+  </p:clrMapOvr>
+</p:sld>
+</file>
+
+<file path=ppt/slides/slide5.xml><?xml version="1.0" encoding="utf-8"?>
+<p:sld xmlns:a="http://schemas.openxmlformats.org/drawingml/2006/main" xmlns:r="http://schemas.openxmlformats.org/officeDocument/2006/relationships" xmlns:p="http://schemas.openxmlformats.org/presentationml/2006/main">
+  <p:cSld>
+    <p:spTree>
+      <p:nvGrpSpPr>
+        <p:cNvPr id="1" name=""/>
+        <p:cNvGrpSpPr/>
+        <p:nvPr/>
+      </p:nvGrpSpPr>
+      <p:grpSpPr>
+        <a:xfrm>
+          <a:off x="0" y="0"/>
+          <a:ext cx="0" cy="0"/>
+          <a:chOff x="0" y="0"/>
+          <a:chExt cx="0" cy="0"/>
+        </a:xfrm>
+      </p:grpSpPr>
+      <p:pic>
+        <p:nvPicPr>
+          <p:cNvPr id="4" name="図 3"/>
+          <p:cNvPicPr>
+            <a:picLocks noChangeAspect="1"/>
+          </p:cNvPicPr>
+          <p:nvPr/>
+        </p:nvPicPr>
+        <p:blipFill>
+          <a:blip r:embed="rId2"/>
+          <a:stretch>
+            <a:fillRect/>
+          </a:stretch>
+        </p:blipFill>
+        <p:spPr>
+          <a:xfrm>
+            <a:off x="6346155" y="1488358"/>
+            <a:ext cx="5834378" cy="4444369"/>
+          </a:xfrm>
+          <a:prstGeom prst="rect">
+            <a:avLst/>
+          </a:prstGeom>
+          <a:effectLst>
+            <a:innerShdw blurRad="635000" dist="508000" dir="8100000">
+              <a:prstClr val="black">
+                <a:alpha val="25000"/>
+              </a:prstClr>
+            </a:innerShdw>
+            <a:softEdge rad="127000"/>
+          </a:effectLst>
+        </p:spPr>
+      </p:pic>
+      <p:sp>
+        <p:nvSpPr>
+          <p:cNvPr id="14" name="円/楕円 13"/>
+          <p:cNvSpPr/>
+          <p:nvPr/>
+        </p:nvSpPr>
+        <p:spPr>
+          <a:xfrm>
+            <a:off x="8291125" y="2770775"/>
+            <a:ext cx="502276" cy="1013984"/>
+          </a:xfrm>
+          <a:prstGeom prst="ellipse">
+            <a:avLst/>
+          </a:prstGeom>
+          <a:solidFill>
+            <a:srgbClr val="FF4747"/>
+          </a:solidFill>
+          <a:ln>
+            <a:noFill/>
+          </a:ln>
+        </p:spPr>
+        <p:style>
+          <a:lnRef idx="2">
+            <a:schemeClr val="accent1">
+              <a:shade val="50000"/>
+            </a:schemeClr>
+          </a:lnRef>
+          <a:fillRef idx="1">
+            <a:schemeClr val="accent1"/>
+          </a:fillRef>
+          <a:effectRef idx="0">
+            <a:schemeClr val="accent1"/>
+          </a:effectRef>
+          <a:fontRef idx="minor">
+            <a:schemeClr val="lt1"/>
+          </a:fontRef>
+        </p:style>
+        <p:txBody>
+          <a:bodyPr rtlCol="0" anchor="ctr"/>
+          <a:lstStyle/>
+          <a:p>
+            <a:pPr algn="ctr"/>
+            <a:endParaRPr kumimoji="1" lang="ja-JP" altLang="en-US"/>
+          </a:p>
+        </p:txBody>
+      </p:sp>
+      <p:sp>
+        <p:nvSpPr>
+          <p:cNvPr id="15" name="円/楕円 14"/>
+          <p:cNvSpPr/>
+          <p:nvPr/>
+        </p:nvSpPr>
+        <p:spPr>
+          <a:xfrm>
+            <a:off x="8499333" y="3129942"/>
+            <a:ext cx="269700" cy="523881"/>
+          </a:xfrm>
+          <a:prstGeom prst="ellipse">
+            <a:avLst/>
+          </a:prstGeom>
+          <a:solidFill>
+            <a:srgbClr val="FFAFAF"/>
+          </a:solidFill>
+          <a:ln>
+            <a:noFill/>
+          </a:ln>
+        </p:spPr>
+        <p:style>
+          <a:lnRef idx="2">
+            <a:schemeClr val="accent1">
+              <a:shade val="50000"/>
+            </a:schemeClr>
+          </a:lnRef>
+          <a:fillRef idx="1">
+            <a:schemeClr val="accent1"/>
+          </a:fillRef>
+          <a:effectRef idx="0">
+            <a:schemeClr val="accent1"/>
+          </a:effectRef>
+          <a:fontRef idx="minor">
+            <a:schemeClr val="lt1"/>
+          </a:fontRef>
+        </p:style>
+        <p:txBody>
+          <a:bodyPr rtlCol="0" anchor="ctr"/>
+          <a:lstStyle/>
+          <a:p>
+            <a:pPr algn="ctr"/>
+            <a:endParaRPr kumimoji="1" lang="ja-JP" altLang="en-US"/>
+          </a:p>
+        </p:txBody>
+      </p:sp>
+      <p:sp>
+        <p:nvSpPr>
+          <p:cNvPr id="16" name="円/楕円 15"/>
+          <p:cNvSpPr/>
+          <p:nvPr/>
+        </p:nvSpPr>
+        <p:spPr>
+          <a:xfrm>
+            <a:off x="9707045" y="2770775"/>
+            <a:ext cx="502276" cy="1013984"/>
+          </a:xfrm>
+          <a:prstGeom prst="ellipse">
+            <a:avLst/>
+          </a:prstGeom>
+          <a:solidFill>
+            <a:srgbClr val="FF4747"/>
+          </a:solidFill>
+          <a:ln>
+            <a:noFill/>
+          </a:ln>
+        </p:spPr>
+        <p:style>
+          <a:lnRef idx="2">
+            <a:schemeClr val="accent1">
+              <a:shade val="50000"/>
+            </a:schemeClr>
+          </a:lnRef>
+          <a:fillRef idx="1">
+            <a:schemeClr val="accent1"/>
+          </a:fillRef>
+          <a:effectRef idx="0">
+            <a:schemeClr val="accent1"/>
+          </a:effectRef>
+          <a:fontRef idx="minor">
+            <a:schemeClr val="lt1"/>
+          </a:fontRef>
+        </p:style>
+        <p:txBody>
+          <a:bodyPr rtlCol="0" anchor="ctr"/>
+          <a:lstStyle/>
+          <a:p>
+            <a:pPr algn="ctr"/>
+            <a:endParaRPr kumimoji="1" lang="ja-JP" altLang="en-US"/>
+          </a:p>
+        </p:txBody>
+      </p:sp>
+      <p:sp>
+        <p:nvSpPr>
+          <p:cNvPr id="17" name="円/楕円 16"/>
+          <p:cNvSpPr/>
+          <p:nvPr/>
+        </p:nvSpPr>
+        <p:spPr>
+          <a:xfrm>
+            <a:off x="9734947" y="3129942"/>
+            <a:ext cx="269700" cy="523881"/>
+          </a:xfrm>
+          <a:prstGeom prst="ellipse">
+            <a:avLst/>
+          </a:prstGeom>
+          <a:solidFill>
+            <a:srgbClr val="FFAFAF"/>
+          </a:solidFill>
+          <a:ln>
+            <a:noFill/>
+          </a:ln>
+        </p:spPr>
+        <p:style>
+          <a:lnRef idx="2">
+            <a:schemeClr val="accent1">
+              <a:shade val="50000"/>
+            </a:schemeClr>
+          </a:lnRef>
+          <a:fillRef idx="1">
+            <a:schemeClr val="accent1"/>
+          </a:fillRef>
+          <a:effectRef idx="0">
+            <a:schemeClr val="accent1"/>
+          </a:effectRef>
+          <a:fontRef idx="minor">
+            <a:schemeClr val="lt1"/>
+          </a:fontRef>
+        </p:style>
+        <p:txBody>
+          <a:bodyPr rtlCol="0" anchor="ctr"/>
+          <a:lstStyle/>
+          <a:p>
+            <a:pPr algn="ctr"/>
+            <a:endParaRPr kumimoji="1" lang="ja-JP" altLang="en-US"/>
+          </a:p>
+        </p:txBody>
+      </p:sp>
+      <p:sp>
+        <p:nvSpPr>
+          <p:cNvPr id="19" name="円/楕円 18"/>
+          <p:cNvSpPr/>
+          <p:nvPr/>
+        </p:nvSpPr>
+        <p:spPr>
           <a:xfrm rot="19800000">
-            <a:off x="6123211" y="1631607"/>
+            <a:off x="-47054" y="1624942"/>
             <a:ext cx="5130520" cy="4087744"/>
           </a:xfrm>
           <a:prstGeom prst="ellipse">
@@ -4869,13 +5338,13 @@
       </p:sp>
       <p:sp>
         <p:nvSpPr>
-          <p:cNvPr id="12" name="円/楕円 11"/>
+          <p:cNvPr id="20" name="円/楕円 19"/>
           <p:cNvSpPr/>
           <p:nvPr/>
         </p:nvSpPr>
         <p:spPr>
           <a:xfrm rot="1800000" flipH="1">
-            <a:off x="7061223" y="1631606"/>
+            <a:off x="890958" y="1624941"/>
             <a:ext cx="5130520" cy="4087744"/>
           </a:xfrm>
           <a:prstGeom prst="ellipse">
@@ -4915,13 +5384,13 @@
       </p:sp>
       <p:sp>
         <p:nvSpPr>
-          <p:cNvPr id="13" name="円/楕円 12"/>
+          <p:cNvPr id="21" name="円/楕円 20"/>
           <p:cNvSpPr/>
           <p:nvPr/>
         </p:nvSpPr>
         <p:spPr>
           <a:xfrm>
-            <a:off x="7218889" y="5185753"/>
+            <a:off x="1048624" y="5179088"/>
             <a:ext cx="3812146" cy="746975"/>
           </a:xfrm>
           <a:prstGeom prst="ellipse">
@@ -4961,13 +5430,13 @@
       </p:sp>
       <p:sp>
         <p:nvSpPr>
-          <p:cNvPr id="14" name="円/楕円 13"/>
+          <p:cNvPr id="22" name="円/楕円 21"/>
           <p:cNvSpPr/>
           <p:nvPr/>
         </p:nvSpPr>
         <p:spPr>
           <a:xfrm>
-            <a:off x="8186195" y="2770775"/>
+            <a:off x="2015930" y="2764110"/>
             <a:ext cx="502276" cy="1013984"/>
           </a:xfrm>
           <a:prstGeom prst="ellipse">
@@ -5007,13 +5476,13 @@
       </p:sp>
       <p:sp>
         <p:nvSpPr>
-          <p:cNvPr id="15" name="円/楕円 14"/>
+          <p:cNvPr id="23" name="円/楕円 22"/>
           <p:cNvSpPr/>
           <p:nvPr/>
         </p:nvSpPr>
         <p:spPr>
           <a:xfrm>
-            <a:off x="8394403" y="3129942"/>
+            <a:off x="2224138" y="3123277"/>
             <a:ext cx="269700" cy="523881"/>
           </a:xfrm>
           <a:prstGeom prst="ellipse">
@@ -5053,13 +5522,13 @@
       </p:sp>
       <p:sp>
         <p:nvSpPr>
-          <p:cNvPr id="16" name="円/楕円 15"/>
+          <p:cNvPr id="24" name="円/楕円 23"/>
           <p:cNvSpPr/>
           <p:nvPr/>
         </p:nvSpPr>
         <p:spPr>
           <a:xfrm>
-            <a:off x="9602115" y="2770775"/>
+            <a:off x="3431850" y="2764110"/>
             <a:ext cx="502276" cy="1013984"/>
           </a:xfrm>
           <a:prstGeom prst="ellipse">
@@ -5099,13 +5568,13 @@
       </p:sp>
       <p:sp>
         <p:nvSpPr>
-          <p:cNvPr id="17" name="円/楕円 16"/>
+          <p:cNvPr id="25" name="円/楕円 24"/>
           <p:cNvSpPr/>
           <p:nvPr/>
         </p:nvSpPr>
         <p:spPr>
           <a:xfrm>
-            <a:off x="9630017" y="3129942"/>
+            <a:off x="3459752" y="3123277"/>
             <a:ext cx="269700" cy="523881"/>
           </a:xfrm>
           <a:prstGeom prst="ellipse">
@@ -5146,7 +5615,7 @@
     </p:spTree>
     <p:extLst>
       <p:ext uri="{BB962C8B-B14F-4D97-AF65-F5344CB8AC3E}">
-        <p14:creationId xmlns:p14="http://schemas.microsoft.com/office/powerpoint/2010/main" val="129349305"/>
+        <p14:creationId xmlns:p14="http://schemas.microsoft.com/office/powerpoint/2010/main" val="2557406677"/>
       </p:ext>
     </p:extLst>
   </p:cSld>

--- a/enemy.pptx
+++ b/enemy.pptx
@@ -247,7 +247,7 @@
           <a:p>
             <a:fld id="{0E085FA6-3BB9-47BA-8D81-299A75D1B58A}" type="datetimeFigureOut">
               <a:rPr kumimoji="1" lang="ja-JP" altLang="en-US" smtClean="0"/>
-              <a:t>2025/4/17</a:t>
+              <a:t>2025/6/3</a:t>
             </a:fld>
             <a:endParaRPr kumimoji="1" lang="ja-JP" altLang="en-US"/>
           </a:p>
@@ -449,7 +449,7 @@
           <a:p>
             <a:fld id="{0E085FA6-3BB9-47BA-8D81-299A75D1B58A}" type="datetimeFigureOut">
               <a:rPr kumimoji="1" lang="ja-JP" altLang="en-US" smtClean="0"/>
-              <a:t>2025/4/17</a:t>
+              <a:t>2025/6/3</a:t>
             </a:fld>
             <a:endParaRPr kumimoji="1" lang="ja-JP" altLang="en-US"/>
           </a:p>
@@ -661,7 +661,7 @@
           <a:p>
             <a:fld id="{0E085FA6-3BB9-47BA-8D81-299A75D1B58A}" type="datetimeFigureOut">
               <a:rPr kumimoji="1" lang="ja-JP" altLang="en-US" smtClean="0"/>
-              <a:t>2025/4/17</a:t>
+              <a:t>2025/6/3</a:t>
             </a:fld>
             <a:endParaRPr kumimoji="1" lang="ja-JP" altLang="en-US"/>
           </a:p>
@@ -863,7 +863,7 @@
           <a:p>
             <a:fld id="{0E085FA6-3BB9-47BA-8D81-299A75D1B58A}" type="datetimeFigureOut">
               <a:rPr kumimoji="1" lang="ja-JP" altLang="en-US" smtClean="0"/>
-              <a:t>2025/4/17</a:t>
+              <a:t>2025/6/3</a:t>
             </a:fld>
             <a:endParaRPr kumimoji="1" lang="ja-JP" altLang="en-US"/>
           </a:p>
@@ -1109,7 +1109,7 @@
           <a:p>
             <a:fld id="{0E085FA6-3BB9-47BA-8D81-299A75D1B58A}" type="datetimeFigureOut">
               <a:rPr kumimoji="1" lang="ja-JP" altLang="en-US" smtClean="0"/>
-              <a:t>2025/4/17</a:t>
+              <a:t>2025/6/3</a:t>
             </a:fld>
             <a:endParaRPr kumimoji="1" lang="ja-JP" altLang="en-US"/>
           </a:p>
@@ -1405,7 +1405,7 @@
           <a:p>
             <a:fld id="{0E085FA6-3BB9-47BA-8D81-299A75D1B58A}" type="datetimeFigureOut">
               <a:rPr kumimoji="1" lang="ja-JP" altLang="en-US" smtClean="0"/>
-              <a:t>2025/4/17</a:t>
+              <a:t>2025/6/3</a:t>
             </a:fld>
             <a:endParaRPr kumimoji="1" lang="ja-JP" altLang="en-US"/>
           </a:p>
@@ -1836,7 +1836,7 @@
           <a:p>
             <a:fld id="{0E085FA6-3BB9-47BA-8D81-299A75D1B58A}" type="datetimeFigureOut">
               <a:rPr kumimoji="1" lang="ja-JP" altLang="en-US" smtClean="0"/>
-              <a:t>2025/4/17</a:t>
+              <a:t>2025/6/3</a:t>
             </a:fld>
             <a:endParaRPr kumimoji="1" lang="ja-JP" altLang="en-US"/>
           </a:p>
@@ -1954,7 +1954,7 @@
           <a:p>
             <a:fld id="{0E085FA6-3BB9-47BA-8D81-299A75D1B58A}" type="datetimeFigureOut">
               <a:rPr kumimoji="1" lang="ja-JP" altLang="en-US" smtClean="0"/>
-              <a:t>2025/4/17</a:t>
+              <a:t>2025/6/3</a:t>
             </a:fld>
             <a:endParaRPr kumimoji="1" lang="ja-JP" altLang="en-US"/>
           </a:p>
@@ -2049,7 +2049,7 @@
           <a:p>
             <a:fld id="{0E085FA6-3BB9-47BA-8D81-299A75D1B58A}" type="datetimeFigureOut">
               <a:rPr kumimoji="1" lang="ja-JP" altLang="en-US" smtClean="0"/>
-              <a:t>2025/4/17</a:t>
+              <a:t>2025/6/3</a:t>
             </a:fld>
             <a:endParaRPr kumimoji="1" lang="ja-JP" altLang="en-US"/>
           </a:p>
@@ -2358,7 +2358,7 @@
           <a:p>
             <a:fld id="{0E085FA6-3BB9-47BA-8D81-299A75D1B58A}" type="datetimeFigureOut">
               <a:rPr kumimoji="1" lang="ja-JP" altLang="en-US" smtClean="0"/>
-              <a:t>2025/4/17</a:t>
+              <a:t>2025/6/3</a:t>
             </a:fld>
             <a:endParaRPr kumimoji="1" lang="ja-JP" altLang="en-US"/>
           </a:p>
@@ -2611,7 +2611,7 @@
           <a:p>
             <a:fld id="{0E085FA6-3BB9-47BA-8D81-299A75D1B58A}" type="datetimeFigureOut">
               <a:rPr kumimoji="1" lang="ja-JP" altLang="en-US" smtClean="0"/>
-              <a:t>2025/4/17</a:t>
+              <a:t>2025/6/3</a:t>
             </a:fld>
             <a:endParaRPr kumimoji="1" lang="ja-JP" altLang="en-US"/>
           </a:p>
@@ -2856,7 +2856,7 @@
           <a:p>
             <a:fld id="{0E085FA6-3BB9-47BA-8D81-299A75D1B58A}" type="datetimeFigureOut">
               <a:rPr kumimoji="1" lang="ja-JP" altLang="en-US" smtClean="0"/>
-              <a:t>2025/4/17</a:t>
+              <a:t>2025/6/3</a:t>
             </a:fld>
             <a:endParaRPr kumimoji="1" lang="ja-JP" altLang="en-US"/>
           </a:p>
@@ -4011,6 +4011,78 @@
           </a:prstGeom>
         </p:spPr>
       </p:pic>
+      <p:sp>
+        <p:nvSpPr>
+          <p:cNvPr id="14" name="正方形/長方形 13"/>
+          <p:cNvSpPr/>
+          <p:nvPr/>
+        </p:nvSpPr>
+        <p:spPr>
+          <a:xfrm>
+            <a:off x="5196168" y="1122960"/>
+            <a:ext cx="1069260" cy="1069260"/>
+          </a:xfrm>
+          <a:prstGeom prst="rect">
+            <a:avLst/>
+          </a:prstGeom>
+          <a:solidFill>
+            <a:schemeClr val="bg1"/>
+          </a:solidFill>
+          <a:ln>
+            <a:solidFill>
+              <a:schemeClr val="tx1"/>
+            </a:solidFill>
+          </a:ln>
+        </p:spPr>
+        <p:style>
+          <a:lnRef idx="2">
+            <a:schemeClr val="accent1">
+              <a:shade val="50000"/>
+            </a:schemeClr>
+          </a:lnRef>
+          <a:fillRef idx="1">
+            <a:schemeClr val="accent1"/>
+          </a:fillRef>
+          <a:effectRef idx="0">
+            <a:schemeClr val="accent1"/>
+          </a:effectRef>
+          <a:fontRef idx="minor">
+            <a:schemeClr val="lt1"/>
+          </a:fontRef>
+        </p:style>
+        <p:txBody>
+          <a:bodyPr rtlCol="0" anchor="ctr"/>
+          <a:lstStyle/>
+          <a:p>
+            <a:pPr algn="ctr"/>
+            <a:endParaRPr kumimoji="1" lang="ja-JP" altLang="en-US"/>
+          </a:p>
+        </p:txBody>
+      </p:sp>
+      <p:pic>
+        <p:nvPicPr>
+          <p:cNvPr id="15" name="図 14"/>
+          <p:cNvPicPr>
+            <a:picLocks noChangeAspect="1"/>
+          </p:cNvPicPr>
+          <p:nvPr/>
+        </p:nvPicPr>
+        <p:blipFill>
+          <a:blip r:embed="rId2"/>
+          <a:stretch>
+            <a:fillRect/>
+          </a:stretch>
+        </p:blipFill>
+        <p:spPr>
+          <a:xfrm>
+            <a:off x="5369451" y="1351405"/>
+            <a:ext cx="752207" cy="572400"/>
+          </a:xfrm>
+          <a:prstGeom prst="rect">
+            <a:avLst/>
+          </a:prstGeom>
+        </p:spPr>
+      </p:pic>
     </p:spTree>
     <p:extLst>
       <p:ext uri="{BB962C8B-B14F-4D97-AF65-F5344CB8AC3E}">
@@ -4466,6 +4538,78 @@
         <p:spPr>
           <a:xfrm rot="-3000000">
             <a:off x="9426793" y="3548909"/>
+            <a:ext cx="751422" cy="572400"/>
+          </a:xfrm>
+          <a:prstGeom prst="rect">
+            <a:avLst/>
+          </a:prstGeom>
+        </p:spPr>
+      </p:pic>
+      <p:sp>
+        <p:nvSpPr>
+          <p:cNvPr id="14" name="正方形/長方形 13"/>
+          <p:cNvSpPr/>
+          <p:nvPr/>
+        </p:nvSpPr>
+        <p:spPr>
+          <a:xfrm>
+            <a:off x="5196168" y="1122960"/>
+            <a:ext cx="1069260" cy="1069260"/>
+          </a:xfrm>
+          <a:prstGeom prst="rect">
+            <a:avLst/>
+          </a:prstGeom>
+          <a:solidFill>
+            <a:schemeClr val="bg1"/>
+          </a:solidFill>
+          <a:ln>
+            <a:solidFill>
+              <a:schemeClr val="tx1"/>
+            </a:solidFill>
+          </a:ln>
+        </p:spPr>
+        <p:style>
+          <a:lnRef idx="2">
+            <a:schemeClr val="accent1">
+              <a:shade val="50000"/>
+            </a:schemeClr>
+          </a:lnRef>
+          <a:fillRef idx="1">
+            <a:schemeClr val="accent1"/>
+          </a:fillRef>
+          <a:effectRef idx="0">
+            <a:schemeClr val="accent1"/>
+          </a:effectRef>
+          <a:fontRef idx="minor">
+            <a:schemeClr val="lt1"/>
+          </a:fontRef>
+        </p:style>
+        <p:txBody>
+          <a:bodyPr rtlCol="0" anchor="ctr"/>
+          <a:lstStyle/>
+          <a:p>
+            <a:pPr algn="ctr"/>
+            <a:endParaRPr kumimoji="1" lang="ja-JP" altLang="en-US"/>
+          </a:p>
+        </p:txBody>
+      </p:sp>
+      <p:pic>
+        <p:nvPicPr>
+          <p:cNvPr id="19" name="図 18"/>
+          <p:cNvPicPr>
+            <a:picLocks noChangeAspect="1"/>
+          </p:cNvPicPr>
+          <p:nvPr/>
+        </p:nvPicPr>
+        <p:blipFill>
+          <a:blip r:embed="rId2"/>
+          <a:stretch>
+            <a:fillRect/>
+          </a:stretch>
+        </p:blipFill>
+        <p:spPr>
+          <a:xfrm>
+            <a:off x="5367548" y="1351405"/>
             <a:ext cx="751422" cy="572400"/>
           </a:xfrm>
           <a:prstGeom prst="rect">
